--- a/blog/figures/FiguresDataGeneratingProcess.pptx
+++ b/blog/figures/FiguresDataGeneratingProcess.pptx
@@ -8,7 +8,8 @@
     <p:sldId id="256" r:id="rId2"/>
     <p:sldId id="257" r:id="rId3"/>
     <p:sldId id="260" r:id="rId4"/>
-    <p:sldId id="258" r:id="rId5"/>
+    <p:sldId id="264" r:id="rId5"/>
+    <p:sldId id="263" r:id="rId6"/>
   </p:sldIdLst>
   <p:sldSz cx="12192000" cy="6858000"/>
   <p:notesSz cx="6858000" cy="9144000"/>
@@ -262,7 +263,7 @@
           <a:p>
             <a:fld id="{8FE11D80-AC6E-4E86-B1FE-153957ACEE67}" type="datetimeFigureOut">
               <a:rPr lang="nl-NL" smtClean="0"/>
-              <a:t>7-5-2021</a:t>
+              <a:t>16-6-2021</a:t>
             </a:fld>
             <a:endParaRPr lang="nl-NL"/>
           </a:p>
@@ -460,7 +461,7 @@
           <a:p>
             <a:fld id="{8FE11D80-AC6E-4E86-B1FE-153957ACEE67}" type="datetimeFigureOut">
               <a:rPr lang="nl-NL" smtClean="0"/>
-              <a:t>7-5-2021</a:t>
+              <a:t>16-6-2021</a:t>
             </a:fld>
             <a:endParaRPr lang="nl-NL"/>
           </a:p>
@@ -668,7 +669,7 @@
           <a:p>
             <a:fld id="{8FE11D80-AC6E-4E86-B1FE-153957ACEE67}" type="datetimeFigureOut">
               <a:rPr lang="nl-NL" smtClean="0"/>
-              <a:t>7-5-2021</a:t>
+              <a:t>16-6-2021</a:t>
             </a:fld>
             <a:endParaRPr lang="nl-NL"/>
           </a:p>
@@ -866,7 +867,7 @@
           <a:p>
             <a:fld id="{8FE11D80-AC6E-4E86-B1FE-153957ACEE67}" type="datetimeFigureOut">
               <a:rPr lang="nl-NL" smtClean="0"/>
-              <a:t>7-5-2021</a:t>
+              <a:t>16-6-2021</a:t>
             </a:fld>
             <a:endParaRPr lang="nl-NL"/>
           </a:p>
@@ -1141,7 +1142,7 @@
           <a:p>
             <a:fld id="{8FE11D80-AC6E-4E86-B1FE-153957ACEE67}" type="datetimeFigureOut">
               <a:rPr lang="nl-NL" smtClean="0"/>
-              <a:t>7-5-2021</a:t>
+              <a:t>16-6-2021</a:t>
             </a:fld>
             <a:endParaRPr lang="nl-NL"/>
           </a:p>
@@ -1406,7 +1407,7 @@
           <a:p>
             <a:fld id="{8FE11D80-AC6E-4E86-B1FE-153957ACEE67}" type="datetimeFigureOut">
               <a:rPr lang="nl-NL" smtClean="0"/>
-              <a:t>7-5-2021</a:t>
+              <a:t>16-6-2021</a:t>
             </a:fld>
             <a:endParaRPr lang="nl-NL"/>
           </a:p>
@@ -1818,7 +1819,7 @@
           <a:p>
             <a:fld id="{8FE11D80-AC6E-4E86-B1FE-153957ACEE67}" type="datetimeFigureOut">
               <a:rPr lang="nl-NL" smtClean="0"/>
-              <a:t>7-5-2021</a:t>
+              <a:t>16-6-2021</a:t>
             </a:fld>
             <a:endParaRPr lang="nl-NL"/>
           </a:p>
@@ -1959,7 +1960,7 @@
           <a:p>
             <a:fld id="{8FE11D80-AC6E-4E86-B1FE-153957ACEE67}" type="datetimeFigureOut">
               <a:rPr lang="nl-NL" smtClean="0"/>
-              <a:t>7-5-2021</a:t>
+              <a:t>16-6-2021</a:t>
             </a:fld>
             <a:endParaRPr lang="nl-NL"/>
           </a:p>
@@ -2072,7 +2073,7 @@
           <a:p>
             <a:fld id="{8FE11D80-AC6E-4E86-B1FE-153957ACEE67}" type="datetimeFigureOut">
               <a:rPr lang="nl-NL" smtClean="0"/>
-              <a:t>7-5-2021</a:t>
+              <a:t>16-6-2021</a:t>
             </a:fld>
             <a:endParaRPr lang="nl-NL"/>
           </a:p>
@@ -2383,7 +2384,7 @@
           <a:p>
             <a:fld id="{8FE11D80-AC6E-4E86-B1FE-153957ACEE67}" type="datetimeFigureOut">
               <a:rPr lang="nl-NL" smtClean="0"/>
-              <a:t>7-5-2021</a:t>
+              <a:t>16-6-2021</a:t>
             </a:fld>
             <a:endParaRPr lang="nl-NL"/>
           </a:p>
@@ -2671,7 +2672,7 @@
           <a:p>
             <a:fld id="{8FE11D80-AC6E-4E86-B1FE-153957ACEE67}" type="datetimeFigureOut">
               <a:rPr lang="nl-NL" smtClean="0"/>
-              <a:t>7-5-2021</a:t>
+              <a:t>16-6-2021</a:t>
             </a:fld>
             <a:endParaRPr lang="nl-NL"/>
           </a:p>
@@ -2912,7 +2913,7 @@
           <a:p>
             <a:fld id="{8FE11D80-AC6E-4E86-B1FE-153957ACEE67}" type="datetimeFigureOut">
               <a:rPr lang="nl-NL" smtClean="0"/>
-              <a:t>7-5-2021</a:t>
+              <a:t>16-6-2021</a:t>
             </a:fld>
             <a:endParaRPr lang="nl-NL"/>
           </a:p>
@@ -4010,8 +4011,8 @@
         </p:nvSpPr>
         <p:spPr>
           <a:xfrm>
-            <a:off x="1507969" y="3390631"/>
-            <a:ext cx="1712847" cy="523220"/>
+            <a:off x="1507969" y="3146789"/>
+            <a:ext cx="1712847" cy="738664"/>
           </a:xfrm>
           <a:prstGeom prst="rect">
             <a:avLst/>
@@ -4026,8 +4027,21 @@
           <a:p>
             <a:r>
               <a:rPr lang="nl-NL" sz="1400" b="1" dirty="0"/>
-              <a:t>What we should be after, but cannot see</a:t>
-            </a:r>
+              <a:t>What we should be after, but </a:t>
+            </a:r>
+            <a:r>
+              <a:rPr lang="nl-NL" sz="1400" b="1" dirty="0" err="1"/>
+              <a:t>cannot</a:t>
+            </a:r>
+            <a:r>
+              <a:rPr lang="nl-NL" sz="1400" b="1" dirty="0"/>
+              <a:t> </a:t>
+            </a:r>
+            <a:r>
+              <a:rPr lang="nl-NL" sz="1400" b="1" dirty="0" err="1"/>
+              <a:t>observe</a:t>
+            </a:r>
+            <a:endParaRPr lang="nl-NL" sz="1400" b="1" dirty="0"/>
           </a:p>
         </p:txBody>
       </p:sp>
@@ -4685,41 +4699,6 @@
       </p:sp>
       <p:sp>
         <p:nvSpPr>
-          <p:cNvPr id="28" name="Tekstvak 27">
-            <a:extLst>
-              <a:ext uri="{FF2B5EF4-FFF2-40B4-BE49-F238E27FC236}">
-                <a16:creationId xmlns:a16="http://schemas.microsoft.com/office/drawing/2014/main" id="{2AC95755-46F8-4BE3-BD6D-6593755246EA}"/>
-              </a:ext>
-            </a:extLst>
-          </p:cNvPr>
-          <p:cNvSpPr txBox="1"/>
-          <p:nvPr/>
-        </p:nvSpPr>
-        <p:spPr>
-          <a:xfrm>
-            <a:off x="1507969" y="3390631"/>
-            <a:ext cx="1712847" cy="523220"/>
-          </a:xfrm>
-          <a:prstGeom prst="rect">
-            <a:avLst/>
-          </a:prstGeom>
-          <a:noFill/>
-        </p:spPr>
-        <p:txBody>
-          <a:bodyPr wrap="square" rtlCol="0">
-            <a:spAutoFit/>
-          </a:bodyPr>
-          <a:lstStyle/>
-          <a:p>
-            <a:r>
-              <a:rPr lang="nl-NL" sz="1400" b="1" dirty="0"/>
-              <a:t>What we should be after, but cannot see</a:t>
-            </a:r>
-          </a:p>
-        </p:txBody>
-      </p:sp>
-      <p:sp>
-        <p:nvSpPr>
           <p:cNvPr id="35" name="Tekstvak 34">
             <a:extLst>
               <a:ext uri="{FF2B5EF4-FFF2-40B4-BE49-F238E27FC236}">
@@ -4905,6 +4884,54 @@
           </a:p>
         </p:txBody>
       </p:sp>
+      <p:sp>
+        <p:nvSpPr>
+          <p:cNvPr id="20" name="Tekstvak 19">
+            <a:extLst>
+              <a:ext uri="{FF2B5EF4-FFF2-40B4-BE49-F238E27FC236}">
+                <a16:creationId xmlns:a16="http://schemas.microsoft.com/office/drawing/2014/main" id="{B78AA43B-E875-4889-AB2B-6A6147787C15}"/>
+              </a:ext>
+            </a:extLst>
+          </p:cNvPr>
+          <p:cNvSpPr txBox="1"/>
+          <p:nvPr/>
+        </p:nvSpPr>
+        <p:spPr>
+          <a:xfrm>
+            <a:off x="1507969" y="3146789"/>
+            <a:ext cx="1712847" cy="738664"/>
+          </a:xfrm>
+          <a:prstGeom prst="rect">
+            <a:avLst/>
+          </a:prstGeom>
+          <a:noFill/>
+        </p:spPr>
+        <p:txBody>
+          <a:bodyPr wrap="square" rtlCol="0">
+            <a:spAutoFit/>
+          </a:bodyPr>
+          <a:lstStyle/>
+          <a:p>
+            <a:r>
+              <a:rPr lang="nl-NL" sz="1400" b="1" dirty="0"/>
+              <a:t>What we should be after, but </a:t>
+            </a:r>
+            <a:r>
+              <a:rPr lang="nl-NL" sz="1400" b="1" dirty="0" err="1"/>
+              <a:t>cannot</a:t>
+            </a:r>
+            <a:r>
+              <a:rPr lang="nl-NL" sz="1400" b="1" dirty="0"/>
+              <a:t> </a:t>
+            </a:r>
+            <a:r>
+              <a:rPr lang="nl-NL" sz="1400" b="1" dirty="0" err="1"/>
+              <a:t>observe</a:t>
+            </a:r>
+            <a:endParaRPr lang="nl-NL" sz="1400" b="1" dirty="0"/>
+          </a:p>
+        </p:txBody>
+      </p:sp>
     </p:spTree>
     <p:extLst>
       <p:ext uri="{BB962C8B-B14F-4D97-AF65-F5344CB8AC3E}">
@@ -4937,58 +4964,1090 @@
       </p:grpSpPr>
       <p:sp>
         <p:nvSpPr>
-          <p:cNvPr id="2" name="Titel 1">
-            <a:extLst>
-              <a:ext uri="{FF2B5EF4-FFF2-40B4-BE49-F238E27FC236}">
-                <a16:creationId xmlns:a16="http://schemas.microsoft.com/office/drawing/2014/main" id="{E1174DAC-6E37-4090-839F-61DF6C9E3B18}"/>
-              </a:ext>
-            </a:extLst>
-          </p:cNvPr>
-          <p:cNvSpPr>
-            <a:spLocks noGrp="1"/>
-          </p:cNvSpPr>
-          <p:nvPr>
-            <p:ph type="title"/>
-          </p:nvPr>
-        </p:nvSpPr>
-        <p:spPr/>
-        <p:txBody>
-          <a:bodyPr/>
-          <a:lstStyle/>
-          <a:p>
-            <a:endParaRPr lang="nl-NL"/>
-          </a:p>
-        </p:txBody>
-      </p:sp>
-      <p:sp>
-        <p:nvSpPr>
-          <p:cNvPr id="3" name="Tijdelijke aanduiding voor inhoud 2">
-            <a:extLst>
-              <a:ext uri="{FF2B5EF4-FFF2-40B4-BE49-F238E27FC236}">
-                <a16:creationId xmlns:a16="http://schemas.microsoft.com/office/drawing/2014/main" id="{CBE6814E-E63E-4296-88BC-817699697E09}"/>
-              </a:ext>
-            </a:extLst>
-          </p:cNvPr>
-          <p:cNvSpPr>
-            <a:spLocks noGrp="1"/>
-          </p:cNvSpPr>
-          <p:nvPr>
-            <p:ph idx="1"/>
-          </p:nvPr>
-        </p:nvSpPr>
-        <p:spPr/>
-        <p:txBody>
-          <a:bodyPr/>
-          <a:lstStyle/>
-          <a:p>
-            <a:endParaRPr lang="nl-NL"/>
+          <p:cNvPr id="5" name="Ovaal 4">
+            <a:extLst>
+              <a:ext uri="{FF2B5EF4-FFF2-40B4-BE49-F238E27FC236}">
+                <a16:creationId xmlns:a16="http://schemas.microsoft.com/office/drawing/2014/main" id="{B30F1234-FEEF-41FD-A9FE-31258892732B}"/>
+              </a:ext>
+            </a:extLst>
+          </p:cNvPr>
+          <p:cNvSpPr/>
+          <p:nvPr/>
+        </p:nvSpPr>
+        <p:spPr>
+          <a:xfrm>
+            <a:off x="4106068" y="2188070"/>
+            <a:ext cx="1289165" cy="522514"/>
+          </a:xfrm>
+          <a:prstGeom prst="ellipse">
+            <a:avLst/>
+          </a:prstGeom>
+          <a:solidFill>
+            <a:schemeClr val="bg1"/>
+          </a:solidFill>
+          <a:ln>
+            <a:solidFill>
+              <a:schemeClr val="tx1"/>
+            </a:solidFill>
+          </a:ln>
+        </p:spPr>
+        <p:style>
+          <a:lnRef idx="2">
+            <a:schemeClr val="accent1">
+              <a:shade val="50000"/>
+            </a:schemeClr>
+          </a:lnRef>
+          <a:fillRef idx="1">
+            <a:schemeClr val="accent1"/>
+          </a:fillRef>
+          <a:effectRef idx="0">
+            <a:schemeClr val="accent1"/>
+          </a:effectRef>
+          <a:fontRef idx="minor">
+            <a:schemeClr val="lt1"/>
+          </a:fontRef>
+        </p:style>
+        <p:txBody>
+          <a:bodyPr rtlCol="0" anchor="ctr"/>
+          <a:lstStyle/>
+          <a:p>
+            <a:pPr algn="ctr"/>
+            <a:r>
+              <a:rPr lang="nl-NL" sz="1400" dirty="0">
+                <a:solidFill>
+                  <a:schemeClr val="tx1"/>
+                </a:solidFill>
+              </a:rPr>
+              <a:t>Education</a:t>
+            </a:r>
+          </a:p>
+        </p:txBody>
+      </p:sp>
+      <p:sp>
+        <p:nvSpPr>
+          <p:cNvPr id="6" name="Ovaal 5">
+            <a:extLst>
+              <a:ext uri="{FF2B5EF4-FFF2-40B4-BE49-F238E27FC236}">
+                <a16:creationId xmlns:a16="http://schemas.microsoft.com/office/drawing/2014/main" id="{505E8434-E581-4D1B-A2DD-2352A06E122F}"/>
+              </a:ext>
+            </a:extLst>
+          </p:cNvPr>
+          <p:cNvSpPr/>
+          <p:nvPr/>
+        </p:nvSpPr>
+        <p:spPr>
+          <a:xfrm>
+            <a:off x="6563023" y="2113565"/>
+            <a:ext cx="1212980" cy="522514"/>
+          </a:xfrm>
+          <a:prstGeom prst="ellipse">
+            <a:avLst/>
+          </a:prstGeom>
+          <a:solidFill>
+            <a:schemeClr val="bg1"/>
+          </a:solidFill>
+          <a:ln>
+            <a:solidFill>
+              <a:schemeClr val="tx1"/>
+            </a:solidFill>
+          </a:ln>
+        </p:spPr>
+        <p:style>
+          <a:lnRef idx="2">
+            <a:schemeClr val="accent1">
+              <a:shade val="50000"/>
+            </a:schemeClr>
+          </a:lnRef>
+          <a:fillRef idx="1">
+            <a:schemeClr val="accent1"/>
+          </a:fillRef>
+          <a:effectRef idx="0">
+            <a:schemeClr val="accent1"/>
+          </a:effectRef>
+          <a:fontRef idx="minor">
+            <a:schemeClr val="lt1"/>
+          </a:fontRef>
+        </p:style>
+        <p:txBody>
+          <a:bodyPr rtlCol="0" anchor="ctr"/>
+          <a:lstStyle/>
+          <a:p>
+            <a:pPr algn="ctr"/>
+            <a:r>
+              <a:rPr lang="nl-NL" sz="1400" dirty="0">
+                <a:solidFill>
+                  <a:schemeClr val="tx1"/>
+                </a:solidFill>
+              </a:rPr>
+              <a:t>Age</a:t>
+            </a:r>
+          </a:p>
+        </p:txBody>
+      </p:sp>
+      <p:sp>
+        <p:nvSpPr>
+          <p:cNvPr id="7" name="Ovaal 6">
+            <a:extLst>
+              <a:ext uri="{FF2B5EF4-FFF2-40B4-BE49-F238E27FC236}">
+                <a16:creationId xmlns:a16="http://schemas.microsoft.com/office/drawing/2014/main" id="{FC285D63-216A-4C2F-9E61-152757D4494C}"/>
+              </a:ext>
+            </a:extLst>
+          </p:cNvPr>
+          <p:cNvSpPr/>
+          <p:nvPr/>
+        </p:nvSpPr>
+        <p:spPr>
+          <a:xfrm>
+            <a:off x="2732495" y="3344149"/>
+            <a:ext cx="2638040" cy="522514"/>
+          </a:xfrm>
+          <a:prstGeom prst="ellipse">
+            <a:avLst/>
+          </a:prstGeom>
+          <a:solidFill>
+            <a:schemeClr val="bg1"/>
+          </a:solidFill>
+          <a:ln>
+            <a:solidFill>
+              <a:schemeClr val="tx1"/>
+            </a:solidFill>
+          </a:ln>
+        </p:spPr>
+        <p:style>
+          <a:lnRef idx="2">
+            <a:schemeClr val="accent1">
+              <a:shade val="50000"/>
+            </a:schemeClr>
+          </a:lnRef>
+          <a:fillRef idx="1">
+            <a:schemeClr val="accent1"/>
+          </a:fillRef>
+          <a:effectRef idx="0">
+            <a:schemeClr val="accent1"/>
+          </a:effectRef>
+          <a:fontRef idx="minor">
+            <a:schemeClr val="lt1"/>
+          </a:fontRef>
+        </p:style>
+        <p:txBody>
+          <a:bodyPr rtlCol="0" anchor="ctr"/>
+          <a:lstStyle/>
+          <a:p>
+            <a:pPr algn="ctr"/>
+            <a:r>
+              <a:rPr lang="nl-NL" sz="1400" dirty="0">
+                <a:solidFill>
+                  <a:schemeClr val="tx1"/>
+                </a:solidFill>
+              </a:rPr>
+              <a:t>Promotion </a:t>
+            </a:r>
+            <a:r>
+              <a:rPr lang="nl-NL" sz="1400" dirty="0" err="1">
+                <a:solidFill>
+                  <a:schemeClr val="tx1"/>
+                </a:solidFill>
+              </a:rPr>
+              <a:t>probability</a:t>
+            </a:r>
+            <a:r>
+              <a:rPr lang="nl-NL" sz="1400" dirty="0">
+                <a:solidFill>
+                  <a:schemeClr val="tx1"/>
+                </a:solidFill>
+              </a:rPr>
+              <a:t> </a:t>
+            </a:r>
+            <a:r>
+              <a:rPr lang="nl-NL" sz="1400" dirty="0" err="1">
+                <a:solidFill>
+                  <a:schemeClr val="tx1"/>
+                </a:solidFill>
+              </a:rPr>
+              <a:t>based</a:t>
+            </a:r>
+            <a:r>
+              <a:rPr lang="nl-NL" sz="1400" dirty="0">
+                <a:solidFill>
+                  <a:schemeClr val="tx1"/>
+                </a:solidFill>
+              </a:rPr>
+              <a:t> on skills</a:t>
+            </a:r>
+          </a:p>
+        </p:txBody>
+      </p:sp>
+      <p:sp>
+        <p:nvSpPr>
+          <p:cNvPr id="8" name="Ovaal 7">
+            <a:extLst>
+              <a:ext uri="{FF2B5EF4-FFF2-40B4-BE49-F238E27FC236}">
+                <a16:creationId xmlns:a16="http://schemas.microsoft.com/office/drawing/2014/main" id="{A794DB8C-0293-4AF0-BD38-F8495E9937E9}"/>
+              </a:ext>
+            </a:extLst>
+          </p:cNvPr>
+          <p:cNvSpPr/>
+          <p:nvPr/>
+        </p:nvSpPr>
+        <p:spPr>
+          <a:xfrm>
+            <a:off x="3310450" y="4587927"/>
+            <a:ext cx="1482130" cy="522514"/>
+          </a:xfrm>
+          <a:prstGeom prst="ellipse">
+            <a:avLst/>
+          </a:prstGeom>
+          <a:solidFill>
+            <a:schemeClr val="bg1"/>
+          </a:solidFill>
+          <a:ln>
+            <a:solidFill>
+              <a:schemeClr val="tx1"/>
+            </a:solidFill>
+          </a:ln>
+        </p:spPr>
+        <p:style>
+          <a:lnRef idx="2">
+            <a:schemeClr val="accent1">
+              <a:shade val="50000"/>
+            </a:schemeClr>
+          </a:lnRef>
+          <a:fillRef idx="1">
+            <a:schemeClr val="accent1"/>
+          </a:fillRef>
+          <a:effectRef idx="0">
+            <a:schemeClr val="accent1"/>
+          </a:effectRef>
+          <a:fontRef idx="minor">
+            <a:schemeClr val="lt1"/>
+          </a:fontRef>
+        </p:style>
+        <p:txBody>
+          <a:bodyPr rtlCol="0" anchor="ctr"/>
+          <a:lstStyle/>
+          <a:p>
+            <a:pPr algn="ctr"/>
+            <a:r>
+              <a:rPr lang="nl-NL" sz="1400" dirty="0">
+                <a:solidFill>
+                  <a:schemeClr val="tx1"/>
+                </a:solidFill>
+              </a:rPr>
+              <a:t>Skills-</a:t>
+            </a:r>
+            <a:r>
+              <a:rPr lang="nl-NL" sz="1400" dirty="0" err="1">
+                <a:solidFill>
+                  <a:schemeClr val="tx1"/>
+                </a:solidFill>
+              </a:rPr>
+              <a:t>based</a:t>
+            </a:r>
+            <a:r>
+              <a:rPr lang="nl-NL" sz="1400" dirty="0">
+                <a:solidFill>
+                  <a:schemeClr val="tx1"/>
+                </a:solidFill>
+              </a:rPr>
+              <a:t> </a:t>
+            </a:r>
+            <a:r>
+              <a:rPr lang="nl-NL" sz="1400" dirty="0" err="1">
+                <a:solidFill>
+                  <a:schemeClr val="tx1"/>
+                </a:solidFill>
+              </a:rPr>
+              <a:t>promotions</a:t>
+            </a:r>
+            <a:endParaRPr lang="nl-NL" sz="1400" dirty="0">
+              <a:solidFill>
+                <a:schemeClr val="tx1"/>
+              </a:solidFill>
+            </a:endParaRPr>
+          </a:p>
+        </p:txBody>
+      </p:sp>
+      <p:cxnSp>
+        <p:nvCxnSpPr>
+          <p:cNvPr id="12" name="Rechte verbindingslijn met pijl 11">
+            <a:extLst>
+              <a:ext uri="{FF2B5EF4-FFF2-40B4-BE49-F238E27FC236}">
+                <a16:creationId xmlns:a16="http://schemas.microsoft.com/office/drawing/2014/main" id="{EFF2F65E-4091-4F36-98BD-11887799F0E4}"/>
+              </a:ext>
+            </a:extLst>
+          </p:cNvPr>
+          <p:cNvCxnSpPr>
+            <a:cxnSpLocks/>
+            <a:stCxn id="5" idx="4"/>
+            <a:endCxn id="7" idx="0"/>
+          </p:cNvCxnSpPr>
+          <p:nvPr/>
+        </p:nvCxnSpPr>
+        <p:spPr>
+          <a:xfrm rot="5400000">
+            <a:off x="4084301" y="2677798"/>
+            <a:ext cx="633565" cy="699136"/>
+          </a:xfrm>
+          <a:prstGeom prst="curvedConnector3">
+            <a:avLst>
+              <a:gd name="adj1" fmla="val 50000"/>
+            </a:avLst>
+          </a:prstGeom>
+          <a:ln>
+            <a:solidFill>
+              <a:schemeClr val="tx1"/>
+            </a:solidFill>
+            <a:tailEnd type="triangle"/>
+          </a:ln>
+        </p:spPr>
+        <p:style>
+          <a:lnRef idx="1">
+            <a:schemeClr val="accent1"/>
+          </a:lnRef>
+          <a:fillRef idx="0">
+            <a:schemeClr val="accent1"/>
+          </a:fillRef>
+          <a:effectRef idx="0">
+            <a:schemeClr val="accent1"/>
+          </a:effectRef>
+          <a:fontRef idx="minor">
+            <a:schemeClr val="tx1"/>
+          </a:fontRef>
+        </p:style>
+      </p:cxnSp>
+      <p:cxnSp>
+        <p:nvCxnSpPr>
+          <p:cNvPr id="14" name="Rechte verbindingslijn met pijl 13">
+            <a:extLst>
+              <a:ext uri="{FF2B5EF4-FFF2-40B4-BE49-F238E27FC236}">
+                <a16:creationId xmlns:a16="http://schemas.microsoft.com/office/drawing/2014/main" id="{C0CD0EFA-A09F-4DE7-94B9-1858134FBDFB}"/>
+              </a:ext>
+            </a:extLst>
+          </p:cNvPr>
+          <p:cNvCxnSpPr>
+            <a:cxnSpLocks/>
+            <a:stCxn id="6" idx="4"/>
+            <a:endCxn id="54" idx="0"/>
+          </p:cNvCxnSpPr>
+          <p:nvPr/>
+        </p:nvCxnSpPr>
+        <p:spPr>
+          <a:xfrm rot="16200000" flipH="1">
+            <a:off x="6818470" y="2987121"/>
+            <a:ext cx="708070" cy="5985"/>
+          </a:xfrm>
+          <a:prstGeom prst="curvedConnector3">
+            <a:avLst>
+              <a:gd name="adj1" fmla="val 50000"/>
+            </a:avLst>
+          </a:prstGeom>
+          <a:ln>
+            <a:solidFill>
+              <a:schemeClr val="tx1"/>
+            </a:solidFill>
+            <a:tailEnd type="triangle"/>
+          </a:ln>
+        </p:spPr>
+        <p:style>
+          <a:lnRef idx="1">
+            <a:schemeClr val="accent1"/>
+          </a:lnRef>
+          <a:fillRef idx="0">
+            <a:schemeClr val="accent1"/>
+          </a:fillRef>
+          <a:effectRef idx="0">
+            <a:schemeClr val="accent1"/>
+          </a:effectRef>
+          <a:fontRef idx="minor">
+            <a:schemeClr val="tx1"/>
+          </a:fontRef>
+        </p:style>
+      </p:cxnSp>
+      <p:cxnSp>
+        <p:nvCxnSpPr>
+          <p:cNvPr id="16" name="Rechte verbindingslijn met pijl 15">
+            <a:extLst>
+              <a:ext uri="{FF2B5EF4-FFF2-40B4-BE49-F238E27FC236}">
+                <a16:creationId xmlns:a16="http://schemas.microsoft.com/office/drawing/2014/main" id="{15400A08-37BA-4F53-8551-49920676656C}"/>
+              </a:ext>
+            </a:extLst>
+          </p:cNvPr>
+          <p:cNvCxnSpPr>
+            <a:cxnSpLocks/>
+            <a:stCxn id="7" idx="4"/>
+            <a:endCxn id="8" idx="0"/>
+          </p:cNvCxnSpPr>
+          <p:nvPr/>
+        </p:nvCxnSpPr>
+        <p:spPr>
+          <a:xfrm rot="5400000">
+            <a:off x="3690883" y="4227295"/>
+            <a:ext cx="721264" cy="12700"/>
+          </a:xfrm>
+          <a:prstGeom prst="curvedConnector3">
+            <a:avLst>
+              <a:gd name="adj1" fmla="val 50000"/>
+            </a:avLst>
+          </a:prstGeom>
+          <a:ln>
+            <a:solidFill>
+              <a:schemeClr val="tx1"/>
+            </a:solidFill>
+            <a:tailEnd type="triangle"/>
+          </a:ln>
+        </p:spPr>
+        <p:style>
+          <a:lnRef idx="1">
+            <a:schemeClr val="accent1"/>
+          </a:lnRef>
+          <a:fillRef idx="0">
+            <a:schemeClr val="accent1"/>
+          </a:fillRef>
+          <a:effectRef idx="0">
+            <a:schemeClr val="accent1"/>
+          </a:effectRef>
+          <a:fontRef idx="minor">
+            <a:schemeClr val="tx1"/>
+          </a:fontRef>
+        </p:style>
+      </p:cxnSp>
+      <p:sp>
+        <p:nvSpPr>
+          <p:cNvPr id="26" name="Tekstvak 25">
+            <a:extLst>
+              <a:ext uri="{FF2B5EF4-FFF2-40B4-BE49-F238E27FC236}">
+                <a16:creationId xmlns:a16="http://schemas.microsoft.com/office/drawing/2014/main" id="{E9360360-14EB-45FB-AE34-BB32135AD1B6}"/>
+              </a:ext>
+            </a:extLst>
+          </p:cNvPr>
+          <p:cNvSpPr txBox="1"/>
+          <p:nvPr/>
+        </p:nvSpPr>
+        <p:spPr>
+          <a:xfrm>
+            <a:off x="7180665" y="2769936"/>
+            <a:ext cx="1308686" cy="307777"/>
+          </a:xfrm>
+          <a:prstGeom prst="rect">
+            <a:avLst/>
+          </a:prstGeom>
+          <a:noFill/>
+        </p:spPr>
+        <p:txBody>
+          <a:bodyPr wrap="square" rtlCol="0">
+            <a:spAutoFit/>
+          </a:bodyPr>
+          <a:lstStyle/>
+          <a:p>
+            <a:r>
+              <a:rPr lang="nl-NL" sz="1400" dirty="0"/>
+              <a:t>Employer bias</a:t>
+            </a:r>
+          </a:p>
+        </p:txBody>
+      </p:sp>
+      <p:sp>
+        <p:nvSpPr>
+          <p:cNvPr id="27" name="Tekstvak 26">
+            <a:extLst>
+              <a:ext uri="{FF2B5EF4-FFF2-40B4-BE49-F238E27FC236}">
+                <a16:creationId xmlns:a16="http://schemas.microsoft.com/office/drawing/2014/main" id="{2D8BB248-9A32-4920-B9FC-7F9447D83011}"/>
+              </a:ext>
+            </a:extLst>
+          </p:cNvPr>
+          <p:cNvSpPr txBox="1"/>
+          <p:nvPr/>
+        </p:nvSpPr>
+        <p:spPr>
+          <a:xfrm>
+            <a:off x="6319074" y="5236894"/>
+            <a:ext cx="1712847" cy="307777"/>
+          </a:xfrm>
+          <a:prstGeom prst="rect">
+            <a:avLst/>
+          </a:prstGeom>
+          <a:noFill/>
+        </p:spPr>
+        <p:txBody>
+          <a:bodyPr wrap="square" rtlCol="0">
+            <a:spAutoFit/>
+          </a:bodyPr>
+          <a:lstStyle/>
+          <a:p>
+            <a:r>
+              <a:rPr lang="nl-NL" sz="1400" b="1" dirty="0"/>
+              <a:t>What we observe</a:t>
+            </a:r>
+          </a:p>
+        </p:txBody>
+      </p:sp>
+      <p:sp>
+        <p:nvSpPr>
+          <p:cNvPr id="24" name="Ovaal 23">
+            <a:extLst>
+              <a:ext uri="{FF2B5EF4-FFF2-40B4-BE49-F238E27FC236}">
+                <a16:creationId xmlns:a16="http://schemas.microsoft.com/office/drawing/2014/main" id="{F6B9DFB3-1F74-4715-B661-AC6912152655}"/>
+              </a:ext>
+            </a:extLst>
+          </p:cNvPr>
+          <p:cNvSpPr/>
+          <p:nvPr/>
+        </p:nvSpPr>
+        <p:spPr>
+          <a:xfrm>
+            <a:off x="2658980" y="2183653"/>
+            <a:ext cx="1289165" cy="522514"/>
+          </a:xfrm>
+          <a:prstGeom prst="ellipse">
+            <a:avLst/>
+          </a:prstGeom>
+          <a:solidFill>
+            <a:schemeClr val="bg1"/>
+          </a:solidFill>
+          <a:ln>
+            <a:solidFill>
+              <a:schemeClr val="tx1"/>
+            </a:solidFill>
+          </a:ln>
+        </p:spPr>
+        <p:style>
+          <a:lnRef idx="2">
+            <a:schemeClr val="accent1">
+              <a:shade val="50000"/>
+            </a:schemeClr>
+          </a:lnRef>
+          <a:fillRef idx="1">
+            <a:schemeClr val="accent1"/>
+          </a:fillRef>
+          <a:effectRef idx="0">
+            <a:schemeClr val="accent1"/>
+          </a:effectRef>
+          <a:fontRef idx="minor">
+            <a:schemeClr val="lt1"/>
+          </a:fontRef>
+        </p:style>
+        <p:txBody>
+          <a:bodyPr rtlCol="0" anchor="ctr"/>
+          <a:lstStyle/>
+          <a:p>
+            <a:pPr algn="ctr"/>
+            <a:r>
+              <a:rPr lang="nl-NL" sz="1400" dirty="0" err="1">
+                <a:solidFill>
+                  <a:schemeClr val="tx1"/>
+                </a:solidFill>
+              </a:rPr>
+              <a:t>Social</a:t>
+            </a:r>
+            <a:r>
+              <a:rPr lang="nl-NL" sz="1400" dirty="0">
+                <a:solidFill>
+                  <a:schemeClr val="tx1"/>
+                </a:solidFill>
+              </a:rPr>
+              <a:t> skills</a:t>
+            </a:r>
+          </a:p>
+        </p:txBody>
+      </p:sp>
+      <p:cxnSp>
+        <p:nvCxnSpPr>
+          <p:cNvPr id="32" name="Rechte verbindingslijn met pijl 11">
+            <a:extLst>
+              <a:ext uri="{FF2B5EF4-FFF2-40B4-BE49-F238E27FC236}">
+                <a16:creationId xmlns:a16="http://schemas.microsoft.com/office/drawing/2014/main" id="{152BAAC6-0E50-44F2-AD02-2DC5FFABD57C}"/>
+              </a:ext>
+            </a:extLst>
+          </p:cNvPr>
+          <p:cNvCxnSpPr>
+            <a:cxnSpLocks/>
+            <a:stCxn id="24" idx="4"/>
+            <a:endCxn id="7" idx="0"/>
+          </p:cNvCxnSpPr>
+          <p:nvPr/>
+        </p:nvCxnSpPr>
+        <p:spPr>
+          <a:xfrm rot="16200000" flipH="1">
+            <a:off x="3358548" y="2651182"/>
+            <a:ext cx="637982" cy="747952"/>
+          </a:xfrm>
+          <a:prstGeom prst="curvedConnector3">
+            <a:avLst>
+              <a:gd name="adj1" fmla="val 50000"/>
+            </a:avLst>
+          </a:prstGeom>
+          <a:ln>
+            <a:solidFill>
+              <a:schemeClr val="tx1"/>
+            </a:solidFill>
+            <a:tailEnd type="triangle"/>
+          </a:ln>
+        </p:spPr>
+        <p:style>
+          <a:lnRef idx="1">
+            <a:schemeClr val="accent1"/>
+          </a:lnRef>
+          <a:fillRef idx="0">
+            <a:schemeClr val="accent1"/>
+          </a:fillRef>
+          <a:effectRef idx="0">
+            <a:schemeClr val="accent1"/>
+          </a:effectRef>
+          <a:fontRef idx="minor">
+            <a:schemeClr val="tx1"/>
+          </a:fontRef>
+        </p:style>
+      </p:cxnSp>
+      <p:sp>
+        <p:nvSpPr>
+          <p:cNvPr id="36" name="Tekstvak 35">
+            <a:extLst>
+              <a:ext uri="{FF2B5EF4-FFF2-40B4-BE49-F238E27FC236}">
+                <a16:creationId xmlns:a16="http://schemas.microsoft.com/office/drawing/2014/main" id="{32241485-7A3D-4344-84AD-BA0F0749EDF0}"/>
+              </a:ext>
+            </a:extLst>
+          </p:cNvPr>
+          <p:cNvSpPr txBox="1"/>
+          <p:nvPr/>
+        </p:nvSpPr>
+        <p:spPr>
+          <a:xfrm>
+            <a:off x="3425247" y="5175339"/>
+            <a:ext cx="1712847" cy="738664"/>
+          </a:xfrm>
+          <a:prstGeom prst="rect">
+            <a:avLst/>
+          </a:prstGeom>
+          <a:noFill/>
+        </p:spPr>
+        <p:txBody>
+          <a:bodyPr wrap="square" rtlCol="0">
+            <a:spAutoFit/>
+          </a:bodyPr>
+          <a:lstStyle/>
+          <a:p>
+            <a:r>
+              <a:rPr lang="nl-NL" sz="1400" b="1" dirty="0"/>
+              <a:t>What we should be after, but </a:t>
+            </a:r>
+            <a:r>
+              <a:rPr lang="nl-NL" sz="1400" b="1" dirty="0" err="1"/>
+              <a:t>cannot</a:t>
+            </a:r>
+            <a:r>
+              <a:rPr lang="nl-NL" sz="1400" b="1" dirty="0"/>
+              <a:t> </a:t>
+            </a:r>
+            <a:r>
+              <a:rPr lang="nl-NL" sz="1400" b="1" dirty="0" err="1"/>
+              <a:t>observe</a:t>
+            </a:r>
+            <a:endParaRPr lang="nl-NL" sz="1400" b="1" dirty="0"/>
+          </a:p>
+        </p:txBody>
+      </p:sp>
+      <p:sp>
+        <p:nvSpPr>
+          <p:cNvPr id="54" name="Ovaal 53">
+            <a:extLst>
+              <a:ext uri="{FF2B5EF4-FFF2-40B4-BE49-F238E27FC236}">
+                <a16:creationId xmlns:a16="http://schemas.microsoft.com/office/drawing/2014/main" id="{26CF5DDE-501A-46E8-A36F-E9EDFC7564EA}"/>
+              </a:ext>
+            </a:extLst>
+          </p:cNvPr>
+          <p:cNvSpPr/>
+          <p:nvPr/>
+        </p:nvSpPr>
+        <p:spPr>
+          <a:xfrm>
+            <a:off x="5856478" y="3344149"/>
+            <a:ext cx="2638040" cy="522514"/>
+          </a:xfrm>
+          <a:prstGeom prst="ellipse">
+            <a:avLst/>
+          </a:prstGeom>
+          <a:solidFill>
+            <a:schemeClr val="bg1"/>
+          </a:solidFill>
+          <a:ln>
+            <a:solidFill>
+              <a:schemeClr val="tx1"/>
+            </a:solidFill>
+          </a:ln>
+        </p:spPr>
+        <p:style>
+          <a:lnRef idx="2">
+            <a:schemeClr val="accent1">
+              <a:shade val="50000"/>
+            </a:schemeClr>
+          </a:lnRef>
+          <a:fillRef idx="1">
+            <a:schemeClr val="accent1"/>
+          </a:fillRef>
+          <a:effectRef idx="0">
+            <a:schemeClr val="accent1"/>
+          </a:effectRef>
+          <a:fontRef idx="minor">
+            <a:schemeClr val="lt1"/>
+          </a:fontRef>
+        </p:style>
+        <p:txBody>
+          <a:bodyPr rtlCol="0" anchor="ctr"/>
+          <a:lstStyle/>
+          <a:p>
+            <a:pPr algn="ctr"/>
+            <a:r>
+              <a:rPr lang="nl-NL" sz="1400" dirty="0">
+                <a:solidFill>
+                  <a:schemeClr val="tx1"/>
+                </a:solidFill>
+              </a:rPr>
+              <a:t>True promotion </a:t>
+            </a:r>
+            <a:r>
+              <a:rPr lang="nl-NL" sz="1400" dirty="0" err="1">
+                <a:solidFill>
+                  <a:schemeClr val="tx1"/>
+                </a:solidFill>
+              </a:rPr>
+              <a:t>probability</a:t>
+            </a:r>
+            <a:endParaRPr lang="nl-NL" sz="1400" dirty="0">
+              <a:solidFill>
+                <a:schemeClr val="tx1"/>
+              </a:solidFill>
+            </a:endParaRPr>
+          </a:p>
+        </p:txBody>
+      </p:sp>
+      <p:cxnSp>
+        <p:nvCxnSpPr>
+          <p:cNvPr id="59" name="Rechte verbindingslijn met pijl 15">
+            <a:extLst>
+              <a:ext uri="{FF2B5EF4-FFF2-40B4-BE49-F238E27FC236}">
+                <a16:creationId xmlns:a16="http://schemas.microsoft.com/office/drawing/2014/main" id="{7955F191-6A0C-44C3-9FE8-9E7684B8B217}"/>
+              </a:ext>
+            </a:extLst>
+          </p:cNvPr>
+          <p:cNvCxnSpPr>
+            <a:cxnSpLocks/>
+            <a:stCxn id="7" idx="6"/>
+            <a:endCxn id="54" idx="2"/>
+          </p:cNvCxnSpPr>
+          <p:nvPr/>
+        </p:nvCxnSpPr>
+        <p:spPr>
+          <a:xfrm>
+            <a:off x="5370535" y="3605406"/>
+            <a:ext cx="485943" cy="12700"/>
+          </a:xfrm>
+          <a:prstGeom prst="curvedConnector3">
+            <a:avLst>
+              <a:gd name="adj1" fmla="val 50000"/>
+            </a:avLst>
+          </a:prstGeom>
+          <a:ln>
+            <a:solidFill>
+              <a:schemeClr val="tx1"/>
+            </a:solidFill>
+            <a:tailEnd type="triangle"/>
+          </a:ln>
+        </p:spPr>
+        <p:style>
+          <a:lnRef idx="1">
+            <a:schemeClr val="accent1"/>
+          </a:lnRef>
+          <a:fillRef idx="0">
+            <a:schemeClr val="accent1"/>
+          </a:fillRef>
+          <a:effectRef idx="0">
+            <a:schemeClr val="accent1"/>
+          </a:effectRef>
+          <a:fontRef idx="minor">
+            <a:schemeClr val="tx1"/>
+          </a:fontRef>
+        </p:style>
+      </p:cxnSp>
+      <p:sp>
+        <p:nvSpPr>
+          <p:cNvPr id="68" name="Ovaal 67">
+            <a:extLst>
+              <a:ext uri="{FF2B5EF4-FFF2-40B4-BE49-F238E27FC236}">
+                <a16:creationId xmlns:a16="http://schemas.microsoft.com/office/drawing/2014/main" id="{05AA426E-34EA-4DD2-B726-D98E1760C35B}"/>
+              </a:ext>
+            </a:extLst>
+          </p:cNvPr>
+          <p:cNvSpPr/>
+          <p:nvPr/>
+        </p:nvSpPr>
+        <p:spPr>
+          <a:xfrm>
+            <a:off x="6563023" y="4551778"/>
+            <a:ext cx="1369191" cy="522514"/>
+          </a:xfrm>
+          <a:prstGeom prst="ellipse">
+            <a:avLst/>
+          </a:prstGeom>
+          <a:solidFill>
+            <a:schemeClr val="bg1"/>
+          </a:solidFill>
+          <a:ln>
+            <a:solidFill>
+              <a:schemeClr val="tx1"/>
+            </a:solidFill>
+          </a:ln>
+        </p:spPr>
+        <p:style>
+          <a:lnRef idx="2">
+            <a:schemeClr val="accent1">
+              <a:shade val="50000"/>
+            </a:schemeClr>
+          </a:lnRef>
+          <a:fillRef idx="1">
+            <a:schemeClr val="accent1"/>
+          </a:fillRef>
+          <a:effectRef idx="0">
+            <a:schemeClr val="accent1"/>
+          </a:effectRef>
+          <a:fontRef idx="minor">
+            <a:schemeClr val="lt1"/>
+          </a:fontRef>
+        </p:style>
+        <p:txBody>
+          <a:bodyPr rtlCol="0" anchor="ctr"/>
+          <a:lstStyle/>
+          <a:p>
+            <a:pPr algn="ctr"/>
+            <a:r>
+              <a:rPr lang="nl-NL" sz="1400" dirty="0">
+                <a:solidFill>
+                  <a:schemeClr val="tx1"/>
+                </a:solidFill>
+              </a:rPr>
+              <a:t>True promotion</a:t>
+            </a:r>
+          </a:p>
+        </p:txBody>
+      </p:sp>
+      <p:cxnSp>
+        <p:nvCxnSpPr>
+          <p:cNvPr id="69" name="Rechte verbindingslijn met pijl 15">
+            <a:extLst>
+              <a:ext uri="{FF2B5EF4-FFF2-40B4-BE49-F238E27FC236}">
+                <a16:creationId xmlns:a16="http://schemas.microsoft.com/office/drawing/2014/main" id="{3E4C92EA-34EC-416D-BBBF-96A06DCAE206}"/>
+              </a:ext>
+            </a:extLst>
+          </p:cNvPr>
+          <p:cNvCxnSpPr>
+            <a:cxnSpLocks/>
+            <a:endCxn id="68" idx="0"/>
+          </p:cNvCxnSpPr>
+          <p:nvPr/>
+        </p:nvCxnSpPr>
+        <p:spPr>
+          <a:xfrm rot="5400000">
+            <a:off x="6905062" y="4209220"/>
+            <a:ext cx="685115" cy="12700"/>
+          </a:xfrm>
+          <a:prstGeom prst="curvedConnector3">
+            <a:avLst>
+              <a:gd name="adj1" fmla="val 50000"/>
+            </a:avLst>
+          </a:prstGeom>
+          <a:ln>
+            <a:solidFill>
+              <a:schemeClr val="tx1"/>
+            </a:solidFill>
+            <a:tailEnd type="triangle"/>
+          </a:ln>
+        </p:spPr>
+        <p:style>
+          <a:lnRef idx="1">
+            <a:schemeClr val="accent1"/>
+          </a:lnRef>
+          <a:fillRef idx="0">
+            <a:schemeClr val="accent1"/>
+          </a:fillRef>
+          <a:effectRef idx="0">
+            <a:schemeClr val="accent1"/>
+          </a:effectRef>
+          <a:fontRef idx="minor">
+            <a:schemeClr val="tx1"/>
+          </a:fontRef>
+        </p:style>
+      </p:cxnSp>
+      <p:sp>
+        <p:nvSpPr>
+          <p:cNvPr id="71" name="Tekstvak 70">
+            <a:extLst>
+              <a:ext uri="{FF2B5EF4-FFF2-40B4-BE49-F238E27FC236}">
+                <a16:creationId xmlns:a16="http://schemas.microsoft.com/office/drawing/2014/main" id="{4B693B58-2FE3-42BC-A33F-F5C2237BC0D5}"/>
+              </a:ext>
+            </a:extLst>
+          </p:cNvPr>
+          <p:cNvSpPr txBox="1"/>
+          <p:nvPr/>
+        </p:nvSpPr>
+        <p:spPr>
+          <a:xfrm>
+            <a:off x="4285933" y="3965685"/>
+            <a:ext cx="1114563" cy="523220"/>
+          </a:xfrm>
+          <a:prstGeom prst="rect">
+            <a:avLst/>
+          </a:prstGeom>
+          <a:noFill/>
+        </p:spPr>
+        <p:txBody>
+          <a:bodyPr wrap="square" rtlCol="0">
+            <a:spAutoFit/>
+          </a:bodyPr>
+          <a:lstStyle/>
+          <a:p>
+            <a:r>
+              <a:rPr lang="nl-NL" sz="1400" dirty="0" err="1"/>
+              <a:t>Binomial</a:t>
+            </a:r>
+            <a:r>
+              <a:rPr lang="nl-NL" sz="1400" dirty="0"/>
+              <a:t> </a:t>
+            </a:r>
+            <a:r>
+              <a:rPr lang="nl-NL" sz="1400" dirty="0" err="1"/>
+              <a:t>distribution</a:t>
+            </a:r>
+            <a:endParaRPr lang="nl-NL" sz="1400" dirty="0"/>
+          </a:p>
+        </p:txBody>
+      </p:sp>
+      <p:sp>
+        <p:nvSpPr>
+          <p:cNvPr id="72" name="Tekstvak 71">
+            <a:extLst>
+              <a:ext uri="{FF2B5EF4-FFF2-40B4-BE49-F238E27FC236}">
+                <a16:creationId xmlns:a16="http://schemas.microsoft.com/office/drawing/2014/main" id="{A46BDAA5-8DF5-4195-A196-5086FEF8A300}"/>
+              </a:ext>
+            </a:extLst>
+          </p:cNvPr>
+          <p:cNvSpPr txBox="1"/>
+          <p:nvPr/>
+        </p:nvSpPr>
+        <p:spPr>
+          <a:xfrm>
+            <a:off x="7253970" y="3965685"/>
+            <a:ext cx="1114563" cy="523220"/>
+          </a:xfrm>
+          <a:prstGeom prst="rect">
+            <a:avLst/>
+          </a:prstGeom>
+          <a:noFill/>
+        </p:spPr>
+        <p:txBody>
+          <a:bodyPr wrap="square" rtlCol="0">
+            <a:spAutoFit/>
+          </a:bodyPr>
+          <a:lstStyle/>
+          <a:p>
+            <a:r>
+              <a:rPr lang="nl-NL" sz="1400" dirty="0" err="1"/>
+              <a:t>Binomial</a:t>
+            </a:r>
+            <a:r>
+              <a:rPr lang="nl-NL" sz="1400" dirty="0"/>
+              <a:t> </a:t>
+            </a:r>
+            <a:r>
+              <a:rPr lang="nl-NL" sz="1400" dirty="0" err="1"/>
+              <a:t>distribution</a:t>
+            </a:r>
+            <a:endParaRPr lang="nl-NL" sz="1400" dirty="0"/>
           </a:p>
         </p:txBody>
       </p:sp>
     </p:spTree>
     <p:extLst>
       <p:ext uri="{BB962C8B-B14F-4D97-AF65-F5344CB8AC3E}">
-        <p14:creationId xmlns:p14="http://schemas.microsoft.com/office/powerpoint/2010/main" val="2720980569"/>
+        <p14:creationId xmlns:p14="http://schemas.microsoft.com/office/powerpoint/2010/main" val="3391842494"/>
+      </p:ext>
+    </p:extLst>
+  </p:cSld>
+  <p:clrMapOvr>
+    <a:masterClrMapping/>
+  </p:clrMapOvr>
+</p:sld>
+</file>
+
+<file path=ppt/slides/slide5.xml><?xml version="1.0" encoding="utf-8"?>
+<p:sld xmlns:a="http://schemas.openxmlformats.org/drawingml/2006/main" xmlns:r="http://schemas.openxmlformats.org/officeDocument/2006/relationships" xmlns:p="http://schemas.openxmlformats.org/presentationml/2006/main">
+  <p:cSld>
+    <p:spTree>
+      <p:nvGrpSpPr>
+        <p:cNvPr id="1" name=""/>
+        <p:cNvGrpSpPr/>
+        <p:nvPr/>
+      </p:nvGrpSpPr>
+      <p:grpSpPr>
+        <a:xfrm>
+          <a:off x="0" y="0"/>
+          <a:ext cx="0" cy="0"/>
+          <a:chOff x="0" y="0"/>
+          <a:chExt cx="0" cy="0"/>
+        </a:xfrm>
+      </p:grpSpPr>
+      <p:sp>
+        <p:nvSpPr>
+          <p:cNvPr id="2" name="Titel 1">
+            <a:extLst>
+              <a:ext uri="{FF2B5EF4-FFF2-40B4-BE49-F238E27FC236}">
+                <a16:creationId xmlns:a16="http://schemas.microsoft.com/office/drawing/2014/main" id="{94AAA2BA-F6A9-4182-8EBE-3C43E52424D6}"/>
+              </a:ext>
+            </a:extLst>
+          </p:cNvPr>
+          <p:cNvSpPr>
+            <a:spLocks noGrp="1"/>
+          </p:cNvSpPr>
+          <p:nvPr>
+            <p:ph type="title"/>
+          </p:nvPr>
+        </p:nvSpPr>
+        <p:spPr/>
+        <p:txBody>
+          <a:bodyPr/>
+          <a:lstStyle/>
+          <a:p>
+            <a:endParaRPr lang="nl-NL"/>
+          </a:p>
+        </p:txBody>
+      </p:sp>
+      <p:sp>
+        <p:nvSpPr>
+          <p:cNvPr id="3" name="Tijdelijke aanduiding voor inhoud 2">
+            <a:extLst>
+              <a:ext uri="{FF2B5EF4-FFF2-40B4-BE49-F238E27FC236}">
+                <a16:creationId xmlns:a16="http://schemas.microsoft.com/office/drawing/2014/main" id="{EE23D72E-DDA7-46CC-B73E-AF48F0D10CD9}"/>
+              </a:ext>
+            </a:extLst>
+          </p:cNvPr>
+          <p:cNvSpPr>
+            <a:spLocks noGrp="1"/>
+          </p:cNvSpPr>
+          <p:nvPr>
+            <p:ph idx="1"/>
+          </p:nvPr>
+        </p:nvSpPr>
+        <p:spPr/>
+        <p:txBody>
+          <a:bodyPr/>
+          <a:lstStyle/>
+          <a:p>
+            <a:endParaRPr lang="nl-NL"/>
+          </a:p>
+        </p:txBody>
+      </p:sp>
+    </p:spTree>
+    <p:extLst>
+      <p:ext uri="{BB962C8B-B14F-4D97-AF65-F5344CB8AC3E}">
+        <p14:creationId xmlns:p14="http://schemas.microsoft.com/office/powerpoint/2010/main" val="702221022"/>
       </p:ext>
     </p:extLst>
   </p:cSld>
